--- a/Diplomarbeit/Powerpoint/Harrer.pptx
+++ b/Diplomarbeit/Powerpoint/Harrer.pptx
@@ -308,7 +308,7 @@
             <a:fld id="{B61BEF0D-F0BB-DE4B-95CE-6DB70DBA9567}" type="datetimeFigureOut">
               <a:rPr lang="en-US" dirty="0"/>
               <a:pPr/>
-              <a:t>5/24/2018</a:t>
+              <a:t>5/25/2018</a:t>
             </a:fld>
             <a:endParaRPr lang="en-US" dirty="0"/>
           </a:p>
@@ -643,7 +643,7 @@
             <a:fld id="{B61BEF0D-F0BB-DE4B-95CE-6DB70DBA9567}" type="datetimeFigureOut">
               <a:rPr lang="en-US" dirty="0"/>
               <a:pPr/>
-              <a:t>5/24/2018</a:t>
+              <a:t>5/25/2018</a:t>
             </a:fld>
             <a:endParaRPr lang="en-US" dirty="0"/>
           </a:p>
@@ -1041,7 +1041,7 @@
             <a:fld id="{B61BEF0D-F0BB-DE4B-95CE-6DB70DBA9567}" type="datetimeFigureOut">
               <a:rPr lang="en-US" dirty="0"/>
               <a:pPr/>
-              <a:t>5/24/2018</a:t>
+              <a:t>5/25/2018</a:t>
             </a:fld>
             <a:endParaRPr lang="en-US" dirty="0"/>
           </a:p>
@@ -1374,7 +1374,7 @@
             <a:fld id="{B61BEF0D-F0BB-DE4B-95CE-6DB70DBA9567}" type="datetimeFigureOut">
               <a:rPr lang="en-US" dirty="0"/>
               <a:pPr/>
-              <a:t>5/24/2018</a:t>
+              <a:t>5/25/2018</a:t>
             </a:fld>
             <a:endParaRPr lang="en-US" dirty="0"/>
           </a:p>
@@ -1691,7 +1691,7 @@
             <a:fld id="{B61BEF0D-F0BB-DE4B-95CE-6DB70DBA9567}" type="datetimeFigureOut">
               <a:rPr lang="en-US" dirty="0"/>
               <a:pPr/>
-              <a:t>5/24/2018</a:t>
+              <a:t>5/25/2018</a:t>
             </a:fld>
             <a:endParaRPr lang="en-US" dirty="0"/>
           </a:p>
@@ -2084,7 +2084,7 @@
             <a:fld id="{B61BEF0D-F0BB-DE4B-95CE-6DB70DBA9567}" type="datetimeFigureOut">
               <a:rPr lang="en-US" dirty="0"/>
               <a:pPr/>
-              <a:t>5/24/2018</a:t>
+              <a:t>5/25/2018</a:t>
             </a:fld>
             <a:endParaRPr lang="en-US" dirty="0"/>
           </a:p>
@@ -2338,7 +2338,7 @@
             <a:fld id="{B61BEF0D-F0BB-DE4B-95CE-6DB70DBA9567}" type="datetimeFigureOut">
               <a:rPr lang="en-US" dirty="0"/>
               <a:pPr/>
-              <a:t>5/24/2018</a:t>
+              <a:t>5/25/2018</a:t>
             </a:fld>
             <a:endParaRPr lang="en-US" dirty="0"/>
           </a:p>
@@ -2597,7 +2597,7 @@
             <a:fld id="{B61BEF0D-F0BB-DE4B-95CE-6DB70DBA9567}" type="datetimeFigureOut">
               <a:rPr lang="en-US" dirty="0"/>
               <a:pPr/>
-              <a:t>5/24/2018</a:t>
+              <a:t>5/25/2018</a:t>
             </a:fld>
             <a:endParaRPr lang="en-US" dirty="0"/>
           </a:p>
@@ -2856,7 +2856,7 @@
             <a:fld id="{B61BEF0D-F0BB-DE4B-95CE-6DB70DBA9567}" type="datetimeFigureOut">
               <a:rPr lang="en-US" dirty="0"/>
               <a:pPr/>
-              <a:t>5/24/2018</a:t>
+              <a:t>5/25/2018</a:t>
             </a:fld>
             <a:endParaRPr lang="en-US" dirty="0"/>
           </a:p>
@@ -3182,7 +3182,7 @@
             <a:fld id="{B61BEF0D-F0BB-DE4B-95CE-6DB70DBA9567}" type="datetimeFigureOut">
               <a:rPr lang="en-US" dirty="0"/>
               <a:pPr/>
-              <a:t>5/24/2018</a:t>
+              <a:t>5/25/2018</a:t>
             </a:fld>
             <a:endParaRPr lang="en-US" dirty="0"/>
           </a:p>
@@ -3502,7 +3502,7 @@
             <a:fld id="{B61BEF0D-F0BB-DE4B-95CE-6DB70DBA9567}" type="datetimeFigureOut">
               <a:rPr lang="en-US" dirty="0"/>
               <a:pPr/>
-              <a:t>5/24/2018</a:t>
+              <a:t>5/25/2018</a:t>
             </a:fld>
             <a:endParaRPr lang="en-US" dirty="0"/>
           </a:p>
@@ -3956,7 +3956,7 @@
             <a:fld id="{B61BEF0D-F0BB-DE4B-95CE-6DB70DBA9567}" type="datetimeFigureOut">
               <a:rPr lang="en-US" dirty="0"/>
               <a:pPr/>
-              <a:t>5/24/2018</a:t>
+              <a:t>5/25/2018</a:t>
             </a:fld>
             <a:endParaRPr lang="en-US" dirty="0"/>
           </a:p>
@@ -4158,7 +4158,7 @@
             <a:fld id="{B61BEF0D-F0BB-DE4B-95CE-6DB70DBA9567}" type="datetimeFigureOut">
               <a:rPr lang="en-US" dirty="0"/>
               <a:pPr/>
-              <a:t>5/24/2018</a:t>
+              <a:t>5/25/2018</a:t>
             </a:fld>
             <a:endParaRPr lang="en-US" dirty="0"/>
           </a:p>
@@ -4332,7 +4332,7 @@
             <a:fld id="{B61BEF0D-F0BB-DE4B-95CE-6DB70DBA9567}" type="datetimeFigureOut">
               <a:rPr lang="en-US" dirty="0"/>
               <a:pPr/>
-              <a:t>5/24/2018</a:t>
+              <a:t>5/25/2018</a:t>
             </a:fld>
             <a:endParaRPr lang="en-US" dirty="0"/>
           </a:p>
@@ -4662,7 +4662,7 @@
             <a:fld id="{B61BEF0D-F0BB-DE4B-95CE-6DB70DBA9567}" type="datetimeFigureOut">
               <a:rPr lang="en-US" dirty="0"/>
               <a:pPr/>
-              <a:t>5/24/2018</a:t>
+              <a:t>5/25/2018</a:t>
             </a:fld>
             <a:endParaRPr lang="en-US" dirty="0"/>
           </a:p>
@@ -5004,7 +5004,7 @@
             <a:fld id="{B61BEF0D-F0BB-DE4B-95CE-6DB70DBA9567}" type="datetimeFigureOut">
               <a:rPr lang="en-US" dirty="0"/>
               <a:pPr/>
-              <a:t>5/24/2018</a:t>
+              <a:t>5/25/2018</a:t>
             </a:fld>
             <a:endParaRPr lang="en-US" dirty="0"/>
           </a:p>
@@ -7118,7 +7118,7 @@
             <a:fld id="{B61BEF0D-F0BB-DE4B-95CE-6DB70DBA9567}" type="datetimeFigureOut">
               <a:rPr lang="en-US" dirty="0"/>
               <a:pPr/>
-              <a:t>5/24/2018</a:t>
+              <a:t>5/25/2018</a:t>
             </a:fld>
             <a:endParaRPr lang="en-US" dirty="0"/>
           </a:p>
@@ -7649,11 +7649,13 @@
         </p:nvSpPr>
         <p:spPr/>
         <p:txBody>
-          <a:bodyPr/>
+          <a:bodyPr>
+            <a:normAutofit/>
+          </a:bodyPr>
           <a:lstStyle/>
           <a:p>
             <a:r>
-              <a:rPr lang="de-AT" dirty="0"/>
+              <a:rPr lang="de-AT" sz="6000" dirty="0"/>
               <a:t>Java-Programm</a:t>
             </a:r>
           </a:p>
@@ -7740,11 +7742,13 @@
         </p:nvSpPr>
         <p:spPr/>
         <p:txBody>
-          <a:bodyPr/>
+          <a:bodyPr>
+            <a:normAutofit/>
+          </a:bodyPr>
           <a:lstStyle/>
           <a:p>
             <a:r>
-              <a:rPr lang="de-AT" dirty="0"/>
+              <a:rPr lang="de-AT" sz="4000" dirty="0"/>
               <a:t>Java-Programm Agenda	</a:t>
             </a:r>
           </a:p>
@@ -7768,11 +7772,13 @@
         </p:nvSpPr>
         <p:spPr/>
         <p:txBody>
-          <a:bodyPr/>
+          <a:bodyPr>
+            <a:normAutofit/>
+          </a:bodyPr>
           <a:lstStyle/>
           <a:p>
             <a:r>
-              <a:rPr lang="de-AT" dirty="0"/>
+              <a:rPr lang="de-AT" sz="2000" dirty="0"/>
               <a:t>Vorstellung von</a:t>
             </a:r>
           </a:p>
@@ -7782,7 +7788,7 @@
               <a:buChar char="•"/>
             </a:pPr>
             <a:r>
-              <a:rPr lang="de-AT" dirty="0"/>
+              <a:rPr lang="de-AT" sz="1800" dirty="0"/>
               <a:t>Grundidee</a:t>
             </a:r>
           </a:p>
@@ -7792,7 +7798,7 @@
               <a:buChar char="•"/>
             </a:pPr>
             <a:r>
-              <a:rPr lang="de-AT" dirty="0"/>
+              <a:rPr lang="de-AT" sz="1800" dirty="0"/>
               <a:t>Ziele</a:t>
             </a:r>
           </a:p>
@@ -7802,7 +7808,7 @@
               <a:buChar char="•"/>
             </a:pPr>
             <a:r>
-              <a:rPr lang="de-AT" dirty="0"/>
+              <a:rPr lang="de-AT" sz="1800" dirty="0"/>
               <a:t>Probleme</a:t>
             </a:r>
           </a:p>
@@ -7812,20 +7818,19 @@
               <a:buChar char="•"/>
             </a:pPr>
             <a:r>
-              <a:rPr lang="de-AT" dirty="0" err="1"/>
-              <a:t>Resumee</a:t>
-            </a:r>
-            <a:endParaRPr lang="de-AT" dirty="0"/>
+              <a:rPr lang="de-AT" sz="1800" dirty="0"/>
+              <a:t>Resümee</a:t>
+            </a:r>
           </a:p>
           <a:p>
             <a:pPr marL="457200" lvl="1" indent="0">
               <a:buNone/>
             </a:pPr>
-            <a:endParaRPr lang="de-AT" dirty="0"/>
-          </a:p>
-          <a:p>
-            <a:r>
-              <a:rPr lang="de-AT" dirty="0"/>
+            <a:endParaRPr lang="de-AT" sz="1800" dirty="0"/>
+          </a:p>
+          <a:p>
+            <a:r>
+              <a:rPr lang="de-AT" sz="2000" dirty="0"/>
               <a:t>Verteidigung </a:t>
             </a:r>
           </a:p>
@@ -7879,7 +7884,9 @@
         </p:nvSpPr>
         <p:spPr/>
         <p:txBody>
-          <a:bodyPr/>
+          <a:bodyPr>
+            <a:normAutofit/>
+          </a:bodyPr>
           <a:lstStyle/>
           <a:p>
             <a:r>
@@ -7911,34 +7918,34 @@
           <a:lstStyle/>
           <a:p>
             <a:r>
-              <a:rPr lang="de-AT" dirty="0"/>
+              <a:rPr lang="de-AT" sz="2000" dirty="0"/>
               <a:t>Benutzerfreundlich</a:t>
             </a:r>
           </a:p>
           <a:p>
             <a:pPr lvl="1"/>
             <a:r>
-              <a:rPr lang="de-AT" dirty="0"/>
+              <a:rPr lang="de-AT" sz="1800" dirty="0"/>
               <a:t>Übersichtlich</a:t>
             </a:r>
           </a:p>
           <a:p>
             <a:pPr lvl="1"/>
             <a:r>
-              <a:rPr lang="de-AT" dirty="0"/>
+              <a:rPr lang="de-AT" sz="1800" dirty="0"/>
               <a:t>Sinnvoll benannte Menüpunkte</a:t>
             </a:r>
           </a:p>
           <a:p>
             <a:pPr lvl="1"/>
             <a:r>
-              <a:rPr lang="de-AT" dirty="0"/>
+              <a:rPr lang="de-AT" sz="1800" dirty="0"/>
               <a:t>Soll ohne Anleitung bedienbar sein</a:t>
             </a:r>
           </a:p>
           <a:p>
             <a:r>
-              <a:rPr lang="de-AT" dirty="0"/>
+              <a:rPr lang="de-AT" sz="2000" dirty="0"/>
               <a:t>Wichtige Informationen sollen sofort ersichtlich sein</a:t>
             </a:r>
           </a:p>
@@ -8036,29 +8043,32 @@
           <a:lstStyle/>
           <a:p>
             <a:r>
-              <a:rPr lang="de-AT" dirty="0"/>
+              <a:rPr lang="de-AT" sz="2000" dirty="0"/>
               <a:t>Fütterungszeiten verwalten</a:t>
             </a:r>
           </a:p>
           <a:p>
             <a:r>
-              <a:rPr lang="de-AT" dirty="0"/>
-              <a:t>Steuerung der Motoren und Sensoren</a:t>
-            </a:r>
-          </a:p>
-          <a:p>
-            <a:r>
-              <a:rPr lang="de-AT" dirty="0"/>
+              <a:rPr lang="de-AT" sz="2000" dirty="0"/>
+              <a:t>Steuerung der Motoren und Auswerten der Sensoren</a:t>
+            </a:r>
+          </a:p>
+          <a:p>
+            <a:r>
+              <a:rPr lang="de-AT" sz="2000" dirty="0"/>
               <a:t>Benutzer muss anlegbar sein</a:t>
             </a:r>
           </a:p>
           <a:p>
             <a:r>
-              <a:rPr lang="de-AT" dirty="0"/>
+              <a:rPr lang="de-AT" sz="2000" dirty="0"/>
               <a:t>Kommunikation mit der Web-Applikation</a:t>
             </a:r>
           </a:p>
           <a:p>
+            <a:pPr marL="0" indent="0">
+              <a:buNone/>
+            </a:pPr>
             <a:endParaRPr lang="de-AT" dirty="0"/>
           </a:p>
         </p:txBody>
@@ -8143,25 +8153,21 @@
           <a:lstStyle/>
           <a:p>
             <a:r>
-              <a:rPr lang="de-AT" dirty="0" err="1"/>
-              <a:t>Kombatibilität</a:t>
-            </a:r>
-            <a:r>
-              <a:rPr lang="de-AT" dirty="0"/>
-              <a:t> zwischen Datenbank und Raspberry-Betriebssystem</a:t>
-            </a:r>
-          </a:p>
-          <a:p>
-            <a:r>
-              <a:rPr lang="de-AT" dirty="0"/>
+              <a:rPr lang="de-AT" sz="2000" dirty="0"/>
+              <a:t>Kompatibilität zwischen Datenbank und Raspberry-Betriebssystem</a:t>
+            </a:r>
+          </a:p>
+          <a:p>
+            <a:r>
+              <a:rPr lang="de-AT" sz="2000" dirty="0"/>
               <a:t>Erkennungsproblem der Pins mit pi4j</a:t>
             </a:r>
           </a:p>
           <a:p>
-            <a:r>
-              <a:rPr lang="de-AT" dirty="0"/>
-              <a:t> </a:t>
-            </a:r>
+            <a:pPr marL="0" indent="0">
+              <a:buNone/>
+            </a:pPr>
+            <a:endParaRPr lang="de-AT" dirty="0"/>
           </a:p>
         </p:txBody>
       </p:sp>
@@ -8241,23 +8247,25 @@
         </p:nvSpPr>
         <p:spPr/>
         <p:txBody>
-          <a:bodyPr/>
+          <a:bodyPr>
+            <a:normAutofit/>
+          </a:bodyPr>
           <a:lstStyle/>
           <a:p>
             <a:r>
-              <a:rPr lang="de-AT" dirty="0"/>
+              <a:rPr lang="de-AT" sz="2000" dirty="0"/>
               <a:t>Optimierung der grafischen Oberfläche</a:t>
             </a:r>
           </a:p>
           <a:p>
             <a:r>
-              <a:rPr lang="de-AT" dirty="0"/>
+              <a:rPr lang="de-AT" sz="2000" dirty="0"/>
               <a:t>Anlegen von mehreren Benutzern</a:t>
             </a:r>
           </a:p>
           <a:p>
             <a:r>
-              <a:rPr lang="de-AT" dirty="0"/>
+              <a:rPr lang="de-AT" sz="2000" dirty="0"/>
               <a:t>Erstellen von Vorlagen mit festgelegten Zeiten</a:t>
             </a:r>
           </a:p>

--- a/Diplomarbeit/Powerpoint/Harrer.pptx
+++ b/Diplomarbeit/Powerpoint/Harrer.pptx
@@ -8329,7 +8329,7 @@
           <a:p>
             <a:r>
               <a:rPr lang="de-AT" dirty="0"/>
-              <a:t>Danke für eure Aufmerksamkeit</a:t>
+              <a:t>Danke für Ihre Aufmerksamkeit</a:t>
             </a:r>
           </a:p>
         </p:txBody>

--- a/Diplomarbeit/Powerpoint/Harrer.pptx
+++ b/Diplomarbeit/Powerpoint/Harrer.pptx
@@ -9,10 +9,11 @@
     <p:sldId id="257" r:id="rId3"/>
     <p:sldId id="258" r:id="rId4"/>
     <p:sldId id="259" r:id="rId5"/>
-    <p:sldId id="260" r:id="rId6"/>
-    <p:sldId id="263" r:id="rId7"/>
-    <p:sldId id="261" r:id="rId8"/>
-    <p:sldId id="262" r:id="rId9"/>
+    <p:sldId id="264" r:id="rId6"/>
+    <p:sldId id="260" r:id="rId7"/>
+    <p:sldId id="263" r:id="rId8"/>
+    <p:sldId id="261" r:id="rId9"/>
+    <p:sldId id="262" r:id="rId10"/>
   </p:sldIdLst>
   <p:sldSz cx="12192000" cy="6858000"/>
   <p:notesSz cx="6858000" cy="9144000"/>
@@ -7809,6 +7810,16 @@
             </a:pPr>
             <a:r>
               <a:rPr lang="de-AT" sz="1800" dirty="0"/>
+              <a:t>Verwendete Mittel</a:t>
+            </a:r>
+          </a:p>
+          <a:p>
+            <a:pPr lvl="1">
+              <a:buFont typeface="Arial" panose="020B0604020202020204" pitchFamily="34" charset="0"/>
+              <a:buChar char="•"/>
+            </a:pPr>
+            <a:r>
+              <a:rPr lang="de-AT" sz="1800" dirty="0"/>
               <a:t>Probleme</a:t>
             </a:r>
           </a:p>
@@ -8108,7 +8119,7 @@
           <p:cNvPr id="2" name="Titel 1">
             <a:extLst>
               <a:ext uri="{FF2B5EF4-FFF2-40B4-BE49-F238E27FC236}">
-                <a16:creationId xmlns:a16="http://schemas.microsoft.com/office/drawing/2014/main" id="{2CE55DB5-832D-4DF2-89C7-53A4D322A2D2}"/>
+                <a16:creationId xmlns:a16="http://schemas.microsoft.com/office/drawing/2014/main" id="{84C74CF6-8EDA-4689-80D5-C41761BCF2A3}"/>
               </a:ext>
             </a:extLst>
           </p:cNvPr>
@@ -8126,7 +8137,7 @@
           <a:p>
             <a:r>
               <a:rPr lang="de-AT" dirty="0"/>
-              <a:t>Aufgetretene Probleme</a:t>
+              <a:t>Verwendete Mittel</a:t>
             </a:r>
           </a:p>
         </p:txBody>
@@ -8136,7 +8147,7 @@
           <p:cNvPr id="3" name="Inhaltsplatzhalter 2">
             <a:extLst>
               <a:ext uri="{FF2B5EF4-FFF2-40B4-BE49-F238E27FC236}">
-                <a16:creationId xmlns:a16="http://schemas.microsoft.com/office/drawing/2014/main" id="{DF3A60EA-A688-4159-895C-04101663D5DA}"/>
+                <a16:creationId xmlns:a16="http://schemas.microsoft.com/office/drawing/2014/main" id="{C808017D-8954-45A0-86B7-ACA3A36E8A1B}"/>
               </a:ext>
             </a:extLst>
           </p:cNvPr>
@@ -8149,32 +8160,87 @@
         </p:nvSpPr>
         <p:spPr/>
         <p:txBody>
-          <a:bodyPr/>
+          <a:bodyPr>
+            <a:normAutofit/>
+          </a:bodyPr>
           <a:lstStyle/>
           <a:p>
             <a:r>
               <a:rPr lang="de-AT" sz="2000" dirty="0"/>
-              <a:t>Kompatibilität zwischen Datenbank und Raspberry-Betriebssystem</a:t>
-            </a:r>
-          </a:p>
-          <a:p>
+              <a:t>Entwicklungsumgebung: </a:t>
+            </a:r>
+            <a:r>
+              <a:rPr lang="de-AT" sz="2000" dirty="0" err="1"/>
+              <a:t>Netbeans</a:t>
+            </a:r>
             <a:r>
               <a:rPr lang="de-AT" sz="2000" dirty="0"/>
-              <a:t>Erkennungsproblem der Pins mit pi4j</a:t>
-            </a:r>
-          </a:p>
-          <a:p>
-            <a:pPr marL="0" indent="0">
-              <a:buNone/>
-            </a:pPr>
-            <a:endParaRPr lang="de-AT" dirty="0"/>
+              <a:t> DIE</a:t>
+            </a:r>
+          </a:p>
+          <a:p>
+            <a:r>
+              <a:rPr lang="de-AT" sz="2000" dirty="0"/>
+              <a:t>Embedded System: Raspberry PI3 Model B</a:t>
+            </a:r>
+          </a:p>
+          <a:p>
+            <a:r>
+              <a:rPr lang="de-AT" sz="2000" dirty="0"/>
+              <a:t>Display:  </a:t>
+            </a:r>
+            <a:r>
+              <a:rPr lang="de-AT" sz="2000" dirty="0" err="1"/>
+              <a:t>Rasperry</a:t>
+            </a:r>
+            <a:r>
+              <a:rPr lang="de-AT" sz="2000" dirty="0"/>
+              <a:t> Pi 7 Zoll Touchscreen Display</a:t>
+            </a:r>
+          </a:p>
+          <a:p>
+            <a:r>
+              <a:rPr lang="de-AT" sz="2000" dirty="0"/>
+              <a:t>Betriebssystem: 2017-08-16-raspbian-stretch</a:t>
+            </a:r>
+          </a:p>
+          <a:p>
+            <a:r>
+              <a:rPr lang="de-AT" sz="2000" dirty="0"/>
+              <a:t>Datenbank: </a:t>
+            </a:r>
+            <a:r>
+              <a:rPr lang="de-AT" sz="2000"/>
+              <a:t>Mongodb</a:t>
+            </a:r>
+            <a:endParaRPr lang="de-AT" sz="2000" dirty="0"/>
+          </a:p>
+          <a:p>
+            <a:r>
+              <a:rPr lang="de-AT" sz="2000" dirty="0"/>
+              <a:t>Steuerung der Pins: pi4j (Pi </a:t>
+            </a:r>
+            <a:r>
+              <a:rPr lang="de-AT" sz="2000" dirty="0" err="1"/>
+              <a:t>for</a:t>
+            </a:r>
+            <a:r>
+              <a:rPr lang="de-AT" sz="2000" dirty="0"/>
+              <a:t> Java)</a:t>
+            </a:r>
+          </a:p>
+          <a:p>
+            <a:endParaRPr lang="de-AT" sz="2000" dirty="0"/>
+          </a:p>
+          <a:p>
+            <a:endParaRPr lang="de-AT" sz="2000" dirty="0"/>
           </a:p>
         </p:txBody>
       </p:sp>
     </p:spTree>
     <p:extLst>
       <p:ext uri="{BB962C8B-B14F-4D97-AF65-F5344CB8AC3E}">
-        <p14:creationId xmlns:p14="http://schemas.microsoft.com/office/powerpoint/2010/main" val="3671490159"/>
+        <p14:creationId xmlns:p14="http://schemas.microsoft.com/office/powerpoint/2010/main" val="12051758"/>
       </p:ext>
     </p:extLst>
   </p:cSld>
@@ -8206,7 +8272,7 @@
           <p:cNvPr id="2" name="Titel 1">
             <a:extLst>
               <a:ext uri="{FF2B5EF4-FFF2-40B4-BE49-F238E27FC236}">
-                <a16:creationId xmlns:a16="http://schemas.microsoft.com/office/drawing/2014/main" id="{EC1ED72A-E699-4FFE-8337-DACD41FDF738}"/>
+                <a16:creationId xmlns:a16="http://schemas.microsoft.com/office/drawing/2014/main" id="{2CE55DB5-832D-4DF2-89C7-53A4D322A2D2}"/>
               </a:ext>
             </a:extLst>
           </p:cNvPr>
@@ -8224,7 +8290,7 @@
           <a:p>
             <a:r>
               <a:rPr lang="de-AT" dirty="0"/>
-              <a:t>Verbesserungsmöglichkeiten	</a:t>
+              <a:t>Aufgetretene Probleme</a:t>
             </a:r>
           </a:p>
         </p:txBody>
@@ -8234,7 +8300,7 @@
           <p:cNvPr id="3" name="Inhaltsplatzhalter 2">
             <a:extLst>
               <a:ext uri="{FF2B5EF4-FFF2-40B4-BE49-F238E27FC236}">
-                <a16:creationId xmlns:a16="http://schemas.microsoft.com/office/drawing/2014/main" id="{C5C41FB1-5231-4600-A2BD-DFDE4E05B901}"/>
+                <a16:creationId xmlns:a16="http://schemas.microsoft.com/office/drawing/2014/main" id="{DF3A60EA-A688-4159-895C-04101663D5DA}"/>
               </a:ext>
             </a:extLst>
           </p:cNvPr>
@@ -8247,34 +8313,32 @@
         </p:nvSpPr>
         <p:spPr/>
         <p:txBody>
-          <a:bodyPr>
-            <a:normAutofit/>
-          </a:bodyPr>
+          <a:bodyPr/>
           <a:lstStyle/>
           <a:p>
             <a:r>
               <a:rPr lang="de-AT" sz="2000" dirty="0"/>
-              <a:t>Optimierung der grafischen Oberfläche</a:t>
+              <a:t>Kompatibilität zwischen Datenbank und Raspberry-Betriebssystem</a:t>
             </a:r>
           </a:p>
           <a:p>
             <a:r>
               <a:rPr lang="de-AT" sz="2000" dirty="0"/>
-              <a:t>Anlegen von mehreren Benutzern</a:t>
-            </a:r>
-          </a:p>
-          <a:p>
-            <a:r>
-              <a:rPr lang="de-AT" sz="2000" dirty="0"/>
-              <a:t>Erstellen von Vorlagen mit festgelegten Zeiten</a:t>
-            </a:r>
+              <a:t>Erkennungsproblem der Pins mit pi4j</a:t>
+            </a:r>
+          </a:p>
+          <a:p>
+            <a:pPr marL="0" indent="0">
+              <a:buNone/>
+            </a:pPr>
+            <a:endParaRPr lang="de-AT" dirty="0"/>
           </a:p>
         </p:txBody>
       </p:sp>
     </p:spTree>
     <p:extLst>
       <p:ext uri="{BB962C8B-B14F-4D97-AF65-F5344CB8AC3E}">
-        <p14:creationId xmlns:p14="http://schemas.microsoft.com/office/powerpoint/2010/main" val="4161385376"/>
+        <p14:creationId xmlns:p14="http://schemas.microsoft.com/office/powerpoint/2010/main" val="3671490159"/>
       </p:ext>
     </p:extLst>
   </p:cSld>
@@ -8306,6 +8370,106 @@
           <p:cNvPr id="2" name="Titel 1">
             <a:extLst>
               <a:ext uri="{FF2B5EF4-FFF2-40B4-BE49-F238E27FC236}">
+                <a16:creationId xmlns:a16="http://schemas.microsoft.com/office/drawing/2014/main" id="{EC1ED72A-E699-4FFE-8337-DACD41FDF738}"/>
+              </a:ext>
+            </a:extLst>
+          </p:cNvPr>
+          <p:cNvSpPr>
+            <a:spLocks noGrp="1"/>
+          </p:cNvSpPr>
+          <p:nvPr>
+            <p:ph type="title"/>
+          </p:nvPr>
+        </p:nvSpPr>
+        <p:spPr/>
+        <p:txBody>
+          <a:bodyPr/>
+          <a:lstStyle/>
+          <a:p>
+            <a:r>
+              <a:rPr lang="de-AT" dirty="0"/>
+              <a:t>Verbesserungsmöglichkeiten	</a:t>
+            </a:r>
+          </a:p>
+        </p:txBody>
+      </p:sp>
+      <p:sp>
+        <p:nvSpPr>
+          <p:cNvPr id="3" name="Inhaltsplatzhalter 2">
+            <a:extLst>
+              <a:ext uri="{FF2B5EF4-FFF2-40B4-BE49-F238E27FC236}">
+                <a16:creationId xmlns:a16="http://schemas.microsoft.com/office/drawing/2014/main" id="{C5C41FB1-5231-4600-A2BD-DFDE4E05B901}"/>
+              </a:ext>
+            </a:extLst>
+          </p:cNvPr>
+          <p:cNvSpPr>
+            <a:spLocks noGrp="1"/>
+          </p:cNvSpPr>
+          <p:nvPr>
+            <p:ph idx="1"/>
+          </p:nvPr>
+        </p:nvSpPr>
+        <p:spPr/>
+        <p:txBody>
+          <a:bodyPr>
+            <a:normAutofit/>
+          </a:bodyPr>
+          <a:lstStyle/>
+          <a:p>
+            <a:r>
+              <a:rPr lang="de-AT" sz="2000" dirty="0"/>
+              <a:t>Optimierung der grafischen Oberfläche</a:t>
+            </a:r>
+          </a:p>
+          <a:p>
+            <a:r>
+              <a:rPr lang="de-AT" sz="2000" dirty="0"/>
+              <a:t>Anlegen von mehreren Benutzern</a:t>
+            </a:r>
+          </a:p>
+          <a:p>
+            <a:r>
+              <a:rPr lang="de-AT" sz="2000" dirty="0"/>
+              <a:t>Erstellen von Vorlagen mit festgelegten Zeiten</a:t>
+            </a:r>
+          </a:p>
+        </p:txBody>
+      </p:sp>
+    </p:spTree>
+    <p:extLst>
+      <p:ext uri="{BB962C8B-B14F-4D97-AF65-F5344CB8AC3E}">
+        <p14:creationId xmlns:p14="http://schemas.microsoft.com/office/powerpoint/2010/main" val="4161385376"/>
+      </p:ext>
+    </p:extLst>
+  </p:cSld>
+  <p:clrMapOvr>
+    <a:masterClrMapping/>
+  </p:clrMapOvr>
+</p:sld>
+</file>
+
+<file path=ppt/slides/slide8.xml><?xml version="1.0" encoding="utf-8"?>
+<p:sld xmlns:a="http://schemas.openxmlformats.org/drawingml/2006/main" xmlns:r="http://schemas.openxmlformats.org/officeDocument/2006/relationships" xmlns:p="http://schemas.openxmlformats.org/presentationml/2006/main">
+  <p:cSld>
+    <p:spTree>
+      <p:nvGrpSpPr>
+        <p:cNvPr id="1" name=""/>
+        <p:cNvGrpSpPr/>
+        <p:nvPr/>
+      </p:nvGrpSpPr>
+      <p:grpSpPr>
+        <a:xfrm>
+          <a:off x="0" y="0"/>
+          <a:ext cx="0" cy="0"/>
+          <a:chOff x="0" y="0"/>
+          <a:chExt cx="0" cy="0"/>
+        </a:xfrm>
+      </p:grpSpPr>
+      <p:sp>
+        <p:nvSpPr>
+          <p:cNvPr id="2" name="Titel 1">
+            <a:extLst>
+              <a:ext uri="{FF2B5EF4-FFF2-40B4-BE49-F238E27FC236}">
                 <a16:creationId xmlns:a16="http://schemas.microsoft.com/office/drawing/2014/main" id="{3010F2D5-0E1D-4F2A-A7AD-9A52040A7C41}"/>
               </a:ext>
             </a:extLst>
@@ -8347,7 +8511,7 @@
 </p:sld>
 </file>
 
-<file path=ppt/slides/slide8.xml><?xml version="1.0" encoding="utf-8"?>
+<file path=ppt/slides/slide9.xml><?xml version="1.0" encoding="utf-8"?>
 <p:sld xmlns:a="http://schemas.openxmlformats.org/drawingml/2006/main" xmlns:r="http://schemas.openxmlformats.org/officeDocument/2006/relationships" xmlns:p="http://schemas.openxmlformats.org/presentationml/2006/main">
   <p:cSld>
     <p:spTree>

--- a/Diplomarbeit/Powerpoint/Harrer.pptx
+++ b/Diplomarbeit/Powerpoint/Harrer.pptx
@@ -7810,7 +7810,7 @@
             </a:pPr>
             <a:r>
               <a:rPr lang="de-AT" sz="1800" dirty="0"/>
-              <a:t>Verwendete Mittel</a:t>
+              <a:t>Technische Details</a:t>
             </a:r>
           </a:p>
           <a:p>
@@ -8137,7 +8137,7 @@
           <a:p>
             <a:r>
               <a:rPr lang="de-AT" dirty="0"/>
-              <a:t>Verwendete Mittel</a:t>
+              <a:t>Technische Details</a:t>
             </a:r>
           </a:p>
         </p:txBody>
@@ -8210,7 +8210,7 @@
               <a:t>Datenbank: </a:t>
             </a:r>
             <a:r>
-              <a:rPr lang="de-AT" sz="2000"/>
+              <a:rPr lang="de-AT" sz="2000" dirty="0" err="1"/>
               <a:t>Mongodb</a:t>
             </a:r>
             <a:endParaRPr lang="de-AT" sz="2000" dirty="0"/>

--- a/Diplomarbeit/Powerpoint/Harrer.pptx
+++ b/Diplomarbeit/Powerpoint/Harrer.pptx
@@ -309,7 +309,7 @@
             <a:fld id="{B61BEF0D-F0BB-DE4B-95CE-6DB70DBA9567}" type="datetimeFigureOut">
               <a:rPr lang="en-US" dirty="0"/>
               <a:pPr/>
-              <a:t>5/25/2018</a:t>
+              <a:t>5/26/2018</a:t>
             </a:fld>
             <a:endParaRPr lang="en-US" dirty="0"/>
           </a:p>
@@ -644,7 +644,7 @@
             <a:fld id="{B61BEF0D-F0BB-DE4B-95CE-6DB70DBA9567}" type="datetimeFigureOut">
               <a:rPr lang="en-US" dirty="0"/>
               <a:pPr/>
-              <a:t>5/25/2018</a:t>
+              <a:t>5/26/2018</a:t>
             </a:fld>
             <a:endParaRPr lang="en-US" dirty="0"/>
           </a:p>
@@ -1042,7 +1042,7 @@
             <a:fld id="{B61BEF0D-F0BB-DE4B-95CE-6DB70DBA9567}" type="datetimeFigureOut">
               <a:rPr lang="en-US" dirty="0"/>
               <a:pPr/>
-              <a:t>5/25/2018</a:t>
+              <a:t>5/26/2018</a:t>
             </a:fld>
             <a:endParaRPr lang="en-US" dirty="0"/>
           </a:p>
@@ -1375,7 +1375,7 @@
             <a:fld id="{B61BEF0D-F0BB-DE4B-95CE-6DB70DBA9567}" type="datetimeFigureOut">
               <a:rPr lang="en-US" dirty="0"/>
               <a:pPr/>
-              <a:t>5/25/2018</a:t>
+              <a:t>5/26/2018</a:t>
             </a:fld>
             <a:endParaRPr lang="en-US" dirty="0"/>
           </a:p>
@@ -1692,7 +1692,7 @@
             <a:fld id="{B61BEF0D-F0BB-DE4B-95CE-6DB70DBA9567}" type="datetimeFigureOut">
               <a:rPr lang="en-US" dirty="0"/>
               <a:pPr/>
-              <a:t>5/25/2018</a:t>
+              <a:t>5/26/2018</a:t>
             </a:fld>
             <a:endParaRPr lang="en-US" dirty="0"/>
           </a:p>
@@ -2085,7 +2085,7 @@
             <a:fld id="{B61BEF0D-F0BB-DE4B-95CE-6DB70DBA9567}" type="datetimeFigureOut">
               <a:rPr lang="en-US" dirty="0"/>
               <a:pPr/>
-              <a:t>5/25/2018</a:t>
+              <a:t>5/26/2018</a:t>
             </a:fld>
             <a:endParaRPr lang="en-US" dirty="0"/>
           </a:p>
@@ -2339,7 +2339,7 @@
             <a:fld id="{B61BEF0D-F0BB-DE4B-95CE-6DB70DBA9567}" type="datetimeFigureOut">
               <a:rPr lang="en-US" dirty="0"/>
               <a:pPr/>
-              <a:t>5/25/2018</a:t>
+              <a:t>5/26/2018</a:t>
             </a:fld>
             <a:endParaRPr lang="en-US" dirty="0"/>
           </a:p>
@@ -2598,7 +2598,7 @@
             <a:fld id="{B61BEF0D-F0BB-DE4B-95CE-6DB70DBA9567}" type="datetimeFigureOut">
               <a:rPr lang="en-US" dirty="0"/>
               <a:pPr/>
-              <a:t>5/25/2018</a:t>
+              <a:t>5/26/2018</a:t>
             </a:fld>
             <a:endParaRPr lang="en-US" dirty="0"/>
           </a:p>
@@ -2857,7 +2857,7 @@
             <a:fld id="{B61BEF0D-F0BB-DE4B-95CE-6DB70DBA9567}" type="datetimeFigureOut">
               <a:rPr lang="en-US" dirty="0"/>
               <a:pPr/>
-              <a:t>5/25/2018</a:t>
+              <a:t>5/26/2018</a:t>
             </a:fld>
             <a:endParaRPr lang="en-US" dirty="0"/>
           </a:p>
@@ -3183,7 +3183,7 @@
             <a:fld id="{B61BEF0D-F0BB-DE4B-95CE-6DB70DBA9567}" type="datetimeFigureOut">
               <a:rPr lang="en-US" dirty="0"/>
               <a:pPr/>
-              <a:t>5/25/2018</a:t>
+              <a:t>5/26/2018</a:t>
             </a:fld>
             <a:endParaRPr lang="en-US" dirty="0"/>
           </a:p>
@@ -3503,7 +3503,7 @@
             <a:fld id="{B61BEF0D-F0BB-DE4B-95CE-6DB70DBA9567}" type="datetimeFigureOut">
               <a:rPr lang="en-US" dirty="0"/>
               <a:pPr/>
-              <a:t>5/25/2018</a:t>
+              <a:t>5/26/2018</a:t>
             </a:fld>
             <a:endParaRPr lang="en-US" dirty="0"/>
           </a:p>
@@ -3957,7 +3957,7 @@
             <a:fld id="{B61BEF0D-F0BB-DE4B-95CE-6DB70DBA9567}" type="datetimeFigureOut">
               <a:rPr lang="en-US" dirty="0"/>
               <a:pPr/>
-              <a:t>5/25/2018</a:t>
+              <a:t>5/26/2018</a:t>
             </a:fld>
             <a:endParaRPr lang="en-US" dirty="0"/>
           </a:p>
@@ -4159,7 +4159,7 @@
             <a:fld id="{B61BEF0D-F0BB-DE4B-95CE-6DB70DBA9567}" type="datetimeFigureOut">
               <a:rPr lang="en-US" dirty="0"/>
               <a:pPr/>
-              <a:t>5/25/2018</a:t>
+              <a:t>5/26/2018</a:t>
             </a:fld>
             <a:endParaRPr lang="en-US" dirty="0"/>
           </a:p>
@@ -4333,7 +4333,7 @@
             <a:fld id="{B61BEF0D-F0BB-DE4B-95CE-6DB70DBA9567}" type="datetimeFigureOut">
               <a:rPr lang="en-US" dirty="0"/>
               <a:pPr/>
-              <a:t>5/25/2018</a:t>
+              <a:t>5/26/2018</a:t>
             </a:fld>
             <a:endParaRPr lang="en-US" dirty="0"/>
           </a:p>
@@ -4663,7 +4663,7 @@
             <a:fld id="{B61BEF0D-F0BB-DE4B-95CE-6DB70DBA9567}" type="datetimeFigureOut">
               <a:rPr lang="en-US" dirty="0"/>
               <a:pPr/>
-              <a:t>5/25/2018</a:t>
+              <a:t>5/26/2018</a:t>
             </a:fld>
             <a:endParaRPr lang="en-US" dirty="0"/>
           </a:p>
@@ -5005,7 +5005,7 @@
             <a:fld id="{B61BEF0D-F0BB-DE4B-95CE-6DB70DBA9567}" type="datetimeFigureOut">
               <a:rPr lang="en-US" dirty="0"/>
               <a:pPr/>
-              <a:t>5/25/2018</a:t>
+              <a:t>5/26/2018</a:t>
             </a:fld>
             <a:endParaRPr lang="en-US" dirty="0"/>
           </a:p>
@@ -7119,7 +7119,7 @@
             <a:fld id="{B61BEF0D-F0BB-DE4B-95CE-6DB70DBA9567}" type="datetimeFigureOut">
               <a:rPr lang="en-US" dirty="0"/>
               <a:pPr/>
-              <a:t>5/25/2018</a:t>
+              <a:t>5/26/2018</a:t>
             </a:fld>
             <a:endParaRPr lang="en-US" dirty="0"/>
           </a:p>
@@ -8187,15 +8187,7 @@
           <a:p>
             <a:r>
               <a:rPr lang="de-AT" sz="2000" dirty="0"/>
-              <a:t>Display:  </a:t>
-            </a:r>
-            <a:r>
-              <a:rPr lang="de-AT" sz="2000" dirty="0" err="1"/>
-              <a:t>Rasperry</a:t>
-            </a:r>
-            <a:r>
-              <a:rPr lang="de-AT" sz="2000" dirty="0"/>
-              <a:t> Pi 7 Zoll Touchscreen Display</a:t>
+              <a:t>Display:  Raspberry Pi 7 Zoll Touchscreen Display</a:t>
             </a:r>
           </a:p>
           <a:p>

--- a/Diplomarbeit/Powerpoint/Harrer.pptx
+++ b/Diplomarbeit/Powerpoint/Harrer.pptx
@@ -8,12 +8,13 @@
     <p:sldId id="256" r:id="rId2"/>
     <p:sldId id="257" r:id="rId3"/>
     <p:sldId id="258" r:id="rId4"/>
-    <p:sldId id="259" r:id="rId5"/>
-    <p:sldId id="264" r:id="rId6"/>
-    <p:sldId id="260" r:id="rId7"/>
-    <p:sldId id="263" r:id="rId8"/>
-    <p:sldId id="261" r:id="rId9"/>
-    <p:sldId id="262" r:id="rId10"/>
+    <p:sldId id="265" r:id="rId5"/>
+    <p:sldId id="259" r:id="rId6"/>
+    <p:sldId id="264" r:id="rId7"/>
+    <p:sldId id="260" r:id="rId8"/>
+    <p:sldId id="263" r:id="rId9"/>
+    <p:sldId id="261" r:id="rId10"/>
+    <p:sldId id="262" r:id="rId11"/>
   </p:sldIdLst>
   <p:sldSz cx="12192000" cy="6858000"/>
   <p:notesSz cx="6858000" cy="9144000"/>
@@ -7708,6 +7709,72 @@
 </p:sld>
 </file>
 
+<file path=ppt/slides/slide10.xml><?xml version="1.0" encoding="utf-8"?>
+<p:sld xmlns:a="http://schemas.openxmlformats.org/drawingml/2006/main" xmlns:r="http://schemas.openxmlformats.org/officeDocument/2006/relationships" xmlns:p="http://schemas.openxmlformats.org/presentationml/2006/main">
+  <p:cSld>
+    <p:spTree>
+      <p:nvGrpSpPr>
+        <p:cNvPr id="1" name=""/>
+        <p:cNvGrpSpPr/>
+        <p:nvPr/>
+      </p:nvGrpSpPr>
+      <p:grpSpPr>
+        <a:xfrm>
+          <a:off x="0" y="0"/>
+          <a:ext cx="0" cy="0"/>
+          <a:chOff x="0" y="0"/>
+          <a:chExt cx="0" cy="0"/>
+        </a:xfrm>
+      </p:grpSpPr>
+      <p:sp>
+        <p:nvSpPr>
+          <p:cNvPr id="2" name="Titel 1">
+            <a:extLst>
+              <a:ext uri="{FF2B5EF4-FFF2-40B4-BE49-F238E27FC236}">
+                <a16:creationId xmlns:a16="http://schemas.microsoft.com/office/drawing/2014/main" id="{977DB687-70FD-46E8-A044-B04C5EAF2783}"/>
+              </a:ext>
+            </a:extLst>
+          </p:cNvPr>
+          <p:cNvSpPr>
+            <a:spLocks noGrp="1"/>
+          </p:cNvSpPr>
+          <p:nvPr>
+            <p:ph type="title"/>
+          </p:nvPr>
+        </p:nvSpPr>
+        <p:spPr>
+          <a:xfrm>
+            <a:off x="4422352" y="2711643"/>
+            <a:ext cx="5900967" cy="1280890"/>
+          </a:xfrm>
+        </p:spPr>
+        <p:txBody>
+          <a:bodyPr>
+            <a:normAutofit fontScale="90000"/>
+          </a:bodyPr>
+          <a:lstStyle/>
+          <a:p>
+            <a:r>
+              <a:rPr lang="de-AT" sz="8000" b="1" dirty="0" err="1"/>
+              <a:t>Defensio</a:t>
+            </a:r>
+            <a:endParaRPr lang="de-AT" sz="8000" b="1" dirty="0"/>
+          </a:p>
+        </p:txBody>
+      </p:sp>
+    </p:spTree>
+    <p:extLst>
+      <p:ext uri="{BB962C8B-B14F-4D97-AF65-F5344CB8AC3E}">
+        <p14:creationId xmlns:p14="http://schemas.microsoft.com/office/powerpoint/2010/main" val="3181971150"/>
+      </p:ext>
+    </p:extLst>
+  </p:cSld>
+  <p:clrMapOvr>
+    <a:masterClrMapping/>
+  </p:clrMapOvr>
+</p:sld>
+</file>
+
 <file path=ppt/slides/slide2.xml><?xml version="1.0" encoding="utf-8"?>
 <p:sld xmlns:a="http://schemas.openxmlformats.org/drawingml/2006/main" xmlns:r="http://schemas.openxmlformats.org/officeDocument/2006/relationships" xmlns:p="http://schemas.openxmlformats.org/presentationml/2006/main">
   <p:cSld>
@@ -8009,7 +8076,7 @@
           <p:cNvPr id="2" name="Titel 1">
             <a:extLst>
               <a:ext uri="{FF2B5EF4-FFF2-40B4-BE49-F238E27FC236}">
-                <a16:creationId xmlns:a16="http://schemas.microsoft.com/office/drawing/2014/main" id="{6F219764-7088-4C96-B187-459BCE07C17F}"/>
+                <a16:creationId xmlns:a16="http://schemas.microsoft.com/office/drawing/2014/main" id="{DFF80D5E-F2EB-45D7-8DF7-132D32A7CC9E}"/>
               </a:ext>
             </a:extLst>
           </p:cNvPr>
@@ -8026,68 +8093,100 @@
           <a:lstStyle/>
           <a:p>
             <a:r>
-              <a:rPr lang="de-AT" dirty="0"/>
-              <a:t>Anforderungen an das Programm</a:t>
-            </a:r>
-          </a:p>
-        </p:txBody>
-      </p:sp>
-      <p:sp>
-        <p:nvSpPr>
-          <p:cNvPr id="3" name="Inhaltsplatzhalter 2">
+              <a:rPr lang="de-DE" dirty="0"/>
+              <a:t>Design Hauptfenster</a:t>
+            </a:r>
+            <a:endParaRPr lang="de-AT" dirty="0"/>
+          </a:p>
+        </p:txBody>
+      </p:sp>
+      <p:pic>
+        <p:nvPicPr>
+          <p:cNvPr id="5" name="Inhaltsplatzhalter 4">
             <a:extLst>
               <a:ext uri="{FF2B5EF4-FFF2-40B4-BE49-F238E27FC236}">
-                <a16:creationId xmlns:a16="http://schemas.microsoft.com/office/drawing/2014/main" id="{07B813E2-178E-46BE-A987-57C840E5140E}"/>
+                <a16:creationId xmlns:a16="http://schemas.microsoft.com/office/drawing/2014/main" id="{9D2778BD-3C4E-4D64-BC41-2C69B589FEE9}"/>
               </a:ext>
             </a:extLst>
           </p:cNvPr>
-          <p:cNvSpPr>
-            <a:spLocks noGrp="1"/>
-          </p:cNvSpPr>
+          <p:cNvPicPr>
+            <a:picLocks noGrp="1" noChangeAspect="1"/>
+          </p:cNvPicPr>
           <p:nvPr>
             <p:ph idx="1"/>
           </p:nvPr>
-        </p:nvSpPr>
-        <p:spPr/>
-        <p:txBody>
-          <a:bodyPr/>
+        </p:nvPicPr>
+        <p:blipFill>
+          <a:blip r:embed="rId2"/>
+          <a:stretch>
+            <a:fillRect/>
+          </a:stretch>
+        </p:blipFill>
+        <p:spPr>
+          <a:xfrm>
+            <a:off x="2592925" y="1415533"/>
+            <a:ext cx="6420446" cy="4737668"/>
+          </a:xfrm>
+        </p:spPr>
+      </p:pic>
+      <p:sp>
+        <p:nvSpPr>
+          <p:cNvPr id="6" name="Rechteck 5">
+            <a:extLst>
+              <a:ext uri="{FF2B5EF4-FFF2-40B4-BE49-F238E27FC236}">
+                <a16:creationId xmlns:a16="http://schemas.microsoft.com/office/drawing/2014/main" id="{B6229162-B19E-4E03-B9AE-6E8DC4D91E4B}"/>
+              </a:ext>
+            </a:extLst>
+          </p:cNvPr>
+          <p:cNvSpPr/>
+          <p:nvPr/>
+        </p:nvSpPr>
+        <p:spPr>
+          <a:xfrm>
+            <a:off x="2739691" y="3571900"/>
+            <a:ext cx="1278636" cy="1167880"/>
+          </a:xfrm>
+          <a:prstGeom prst="rect">
+            <a:avLst/>
+          </a:prstGeom>
+          <a:solidFill>
+            <a:schemeClr val="bg1"/>
+          </a:solidFill>
+          <a:ln>
+            <a:solidFill>
+              <a:schemeClr val="bg1"/>
+            </a:solidFill>
+          </a:ln>
+        </p:spPr>
+        <p:style>
+          <a:lnRef idx="2">
+            <a:schemeClr val="accent1">
+              <a:shade val="50000"/>
+            </a:schemeClr>
+          </a:lnRef>
+          <a:fillRef idx="1">
+            <a:schemeClr val="accent1"/>
+          </a:fillRef>
+          <a:effectRef idx="0">
+            <a:schemeClr val="accent1"/>
+          </a:effectRef>
+          <a:fontRef idx="minor">
+            <a:schemeClr val="lt1"/>
+          </a:fontRef>
+        </p:style>
+        <p:txBody>
+          <a:bodyPr rtlCol="0" anchor="ctr"/>
           <a:lstStyle/>
           <a:p>
-            <a:r>
-              <a:rPr lang="de-AT" sz="2000" dirty="0"/>
-              <a:t>Fütterungszeiten verwalten</a:t>
-            </a:r>
-          </a:p>
-          <a:p>
-            <a:r>
-              <a:rPr lang="de-AT" sz="2000" dirty="0"/>
-              <a:t>Steuerung der Motoren und Auswerten der Sensoren</a:t>
-            </a:r>
-          </a:p>
-          <a:p>
-            <a:r>
-              <a:rPr lang="de-AT" sz="2000" dirty="0"/>
-              <a:t>Benutzer muss anlegbar sein</a:t>
-            </a:r>
-          </a:p>
-          <a:p>
-            <a:r>
-              <a:rPr lang="de-AT" sz="2000" dirty="0"/>
-              <a:t>Kommunikation mit der Web-Applikation</a:t>
-            </a:r>
-          </a:p>
-          <a:p>
-            <a:pPr marL="0" indent="0">
-              <a:buNone/>
-            </a:pPr>
-            <a:endParaRPr lang="de-AT" dirty="0"/>
+            <a:pPr algn="ctr"/>
+            <a:endParaRPr lang="de-AT"/>
           </a:p>
         </p:txBody>
       </p:sp>
     </p:spTree>
     <p:extLst>
       <p:ext uri="{BB962C8B-B14F-4D97-AF65-F5344CB8AC3E}">
-        <p14:creationId xmlns:p14="http://schemas.microsoft.com/office/powerpoint/2010/main" val="185590670"/>
+        <p14:creationId xmlns:p14="http://schemas.microsoft.com/office/powerpoint/2010/main" val="445972956"/>
       </p:ext>
     </p:extLst>
   </p:cSld>
@@ -8119,7 +8218,7 @@
           <p:cNvPr id="2" name="Titel 1">
             <a:extLst>
               <a:ext uri="{FF2B5EF4-FFF2-40B4-BE49-F238E27FC236}">
-                <a16:creationId xmlns:a16="http://schemas.microsoft.com/office/drawing/2014/main" id="{84C74CF6-8EDA-4689-80D5-C41761BCF2A3}"/>
+                <a16:creationId xmlns:a16="http://schemas.microsoft.com/office/drawing/2014/main" id="{6F219764-7088-4C96-B187-459BCE07C17F}"/>
               </a:ext>
             </a:extLst>
           </p:cNvPr>
@@ -8137,7 +8236,7 @@
           <a:p>
             <a:r>
               <a:rPr lang="de-AT" dirty="0"/>
-              <a:t>Technische Details</a:t>
+              <a:t>Anforderungen an das Programm</a:t>
             </a:r>
           </a:p>
         </p:txBody>
@@ -8147,7 +8246,7 @@
           <p:cNvPr id="3" name="Inhaltsplatzhalter 2">
             <a:extLst>
               <a:ext uri="{FF2B5EF4-FFF2-40B4-BE49-F238E27FC236}">
-                <a16:creationId xmlns:a16="http://schemas.microsoft.com/office/drawing/2014/main" id="{C808017D-8954-45A0-86B7-ACA3A36E8A1B}"/>
+                <a16:creationId xmlns:a16="http://schemas.microsoft.com/office/drawing/2014/main" id="{07B813E2-178E-46BE-A987-57C840E5140E}"/>
               </a:ext>
             </a:extLst>
           </p:cNvPr>
@@ -8160,79 +8259,44 @@
         </p:nvSpPr>
         <p:spPr/>
         <p:txBody>
-          <a:bodyPr>
-            <a:normAutofit/>
-          </a:bodyPr>
+          <a:bodyPr/>
           <a:lstStyle/>
           <a:p>
             <a:r>
               <a:rPr lang="de-AT" sz="2000" dirty="0"/>
-              <a:t>Entwicklungsumgebung: </a:t>
-            </a:r>
-            <a:r>
-              <a:rPr lang="de-AT" sz="2000" dirty="0" err="1"/>
-              <a:t>Netbeans</a:t>
-            </a:r>
+              <a:t>Fütterungszeiten verwalten</a:t>
+            </a:r>
+          </a:p>
+          <a:p>
             <a:r>
               <a:rPr lang="de-AT" sz="2000" dirty="0"/>
-              <a:t> DIE</a:t>
+              <a:t>Steuerung der Motoren und Auswerten der Sensoren</a:t>
             </a:r>
           </a:p>
           <a:p>
             <a:r>
               <a:rPr lang="de-AT" sz="2000" dirty="0"/>
-              <a:t>Embedded System: Raspberry PI3 Model B</a:t>
+              <a:t>Benutzer muss anlegbar sein</a:t>
             </a:r>
           </a:p>
           <a:p>
             <a:r>
               <a:rPr lang="de-AT" sz="2000" dirty="0"/>
-              <a:t>Display:  Raspberry Pi 7 Zoll Touchscreen Display</a:t>
-            </a:r>
-          </a:p>
-          <a:p>
-            <a:r>
-              <a:rPr lang="de-AT" sz="2000" dirty="0"/>
-              <a:t>Betriebssystem: 2017-08-16-raspbian-stretch</a:t>
-            </a:r>
-          </a:p>
-          <a:p>
-            <a:r>
-              <a:rPr lang="de-AT" sz="2000" dirty="0"/>
-              <a:t>Datenbank: </a:t>
-            </a:r>
-            <a:r>
-              <a:rPr lang="de-AT" sz="2000" dirty="0" err="1"/>
-              <a:t>Mongodb</a:t>
-            </a:r>
-            <a:endParaRPr lang="de-AT" sz="2000" dirty="0"/>
-          </a:p>
-          <a:p>
-            <a:r>
-              <a:rPr lang="de-AT" sz="2000" dirty="0"/>
-              <a:t>Steuerung der Pins: pi4j (Pi </a:t>
-            </a:r>
-            <a:r>
-              <a:rPr lang="de-AT" sz="2000" dirty="0" err="1"/>
-              <a:t>for</a:t>
-            </a:r>
-            <a:r>
-              <a:rPr lang="de-AT" sz="2000" dirty="0"/>
-              <a:t> Java)</a:t>
-            </a:r>
-          </a:p>
-          <a:p>
-            <a:endParaRPr lang="de-AT" sz="2000" dirty="0"/>
-          </a:p>
-          <a:p>
-            <a:endParaRPr lang="de-AT" sz="2000" dirty="0"/>
+              <a:t>Kommunikation mit der Web-Applikation</a:t>
+            </a:r>
+          </a:p>
+          <a:p>
+            <a:pPr marL="0" indent="0">
+              <a:buNone/>
+            </a:pPr>
+            <a:endParaRPr lang="de-AT" dirty="0"/>
           </a:p>
         </p:txBody>
       </p:sp>
     </p:spTree>
     <p:extLst>
       <p:ext uri="{BB962C8B-B14F-4D97-AF65-F5344CB8AC3E}">
-        <p14:creationId xmlns:p14="http://schemas.microsoft.com/office/powerpoint/2010/main" val="12051758"/>
+        <p14:creationId xmlns:p14="http://schemas.microsoft.com/office/powerpoint/2010/main" val="185590670"/>
       </p:ext>
     </p:extLst>
   </p:cSld>
@@ -8264,7 +8328,7 @@
           <p:cNvPr id="2" name="Titel 1">
             <a:extLst>
               <a:ext uri="{FF2B5EF4-FFF2-40B4-BE49-F238E27FC236}">
-                <a16:creationId xmlns:a16="http://schemas.microsoft.com/office/drawing/2014/main" id="{2CE55DB5-832D-4DF2-89C7-53A4D322A2D2}"/>
+                <a16:creationId xmlns:a16="http://schemas.microsoft.com/office/drawing/2014/main" id="{84C74CF6-8EDA-4689-80D5-C41761BCF2A3}"/>
               </a:ext>
             </a:extLst>
           </p:cNvPr>
@@ -8282,7 +8346,7 @@
           <a:p>
             <a:r>
               <a:rPr lang="de-AT" dirty="0"/>
-              <a:t>Aufgetretene Probleme</a:t>
+              <a:t>Technische Details</a:t>
             </a:r>
           </a:p>
         </p:txBody>
@@ -8292,7 +8356,7 @@
           <p:cNvPr id="3" name="Inhaltsplatzhalter 2">
             <a:extLst>
               <a:ext uri="{FF2B5EF4-FFF2-40B4-BE49-F238E27FC236}">
-                <a16:creationId xmlns:a16="http://schemas.microsoft.com/office/drawing/2014/main" id="{DF3A60EA-A688-4159-895C-04101663D5DA}"/>
+                <a16:creationId xmlns:a16="http://schemas.microsoft.com/office/drawing/2014/main" id="{C808017D-8954-45A0-86B7-ACA3A36E8A1B}"/>
               </a:ext>
             </a:extLst>
           </p:cNvPr>
@@ -8305,32 +8369,79 @@
         </p:nvSpPr>
         <p:spPr/>
         <p:txBody>
-          <a:bodyPr/>
+          <a:bodyPr>
+            <a:normAutofit/>
+          </a:bodyPr>
           <a:lstStyle/>
           <a:p>
             <a:r>
               <a:rPr lang="de-AT" sz="2000" dirty="0"/>
-              <a:t>Kompatibilität zwischen Datenbank und Raspberry-Betriebssystem</a:t>
-            </a:r>
-          </a:p>
-          <a:p>
+              <a:t>Entwicklungsumgebung: </a:t>
+            </a:r>
+            <a:r>
+              <a:rPr lang="de-AT" sz="2000" dirty="0" err="1"/>
+              <a:t>Netbeans</a:t>
+            </a:r>
             <a:r>
               <a:rPr lang="de-AT" sz="2000" dirty="0"/>
-              <a:t>Erkennungsproblem der Pins mit pi4j</a:t>
-            </a:r>
-          </a:p>
-          <a:p>
-            <a:pPr marL="0" indent="0">
-              <a:buNone/>
-            </a:pPr>
-            <a:endParaRPr lang="de-AT" dirty="0"/>
+              <a:t> DIE</a:t>
+            </a:r>
+          </a:p>
+          <a:p>
+            <a:r>
+              <a:rPr lang="de-AT" sz="2000" dirty="0"/>
+              <a:t>Embedded System: Raspberry PI3 Model B</a:t>
+            </a:r>
+          </a:p>
+          <a:p>
+            <a:r>
+              <a:rPr lang="de-AT" sz="2000" dirty="0"/>
+              <a:t>Display:  Raspberry Pi 7 Zoll Touchscreen Display</a:t>
+            </a:r>
+          </a:p>
+          <a:p>
+            <a:r>
+              <a:rPr lang="de-AT" sz="2000" dirty="0"/>
+              <a:t>Betriebssystem: 2017-08-16-raspbian-stretch</a:t>
+            </a:r>
+          </a:p>
+          <a:p>
+            <a:r>
+              <a:rPr lang="de-AT" sz="2000" dirty="0"/>
+              <a:t>Datenbank: </a:t>
+            </a:r>
+            <a:r>
+              <a:rPr lang="de-AT" sz="2000" dirty="0" err="1"/>
+              <a:t>Mongodb</a:t>
+            </a:r>
+            <a:endParaRPr lang="de-AT" sz="2000" dirty="0"/>
+          </a:p>
+          <a:p>
+            <a:r>
+              <a:rPr lang="de-AT" sz="2000" dirty="0"/>
+              <a:t>Steuerung der Pins: pi4j (Pi </a:t>
+            </a:r>
+            <a:r>
+              <a:rPr lang="de-AT" sz="2000" dirty="0" err="1"/>
+              <a:t>for</a:t>
+            </a:r>
+            <a:r>
+              <a:rPr lang="de-AT" sz="2000" dirty="0"/>
+              <a:t> Java)</a:t>
+            </a:r>
+          </a:p>
+          <a:p>
+            <a:endParaRPr lang="de-AT" sz="2000" dirty="0"/>
+          </a:p>
+          <a:p>
+            <a:endParaRPr lang="de-AT" sz="2000" dirty="0"/>
           </a:p>
         </p:txBody>
       </p:sp>
     </p:spTree>
     <p:extLst>
       <p:ext uri="{BB962C8B-B14F-4D97-AF65-F5344CB8AC3E}">
-        <p14:creationId xmlns:p14="http://schemas.microsoft.com/office/powerpoint/2010/main" val="3671490159"/>
+        <p14:creationId xmlns:p14="http://schemas.microsoft.com/office/powerpoint/2010/main" val="12051758"/>
       </p:ext>
     </p:extLst>
   </p:cSld>
@@ -8362,7 +8473,7 @@
           <p:cNvPr id="2" name="Titel 1">
             <a:extLst>
               <a:ext uri="{FF2B5EF4-FFF2-40B4-BE49-F238E27FC236}">
-                <a16:creationId xmlns:a16="http://schemas.microsoft.com/office/drawing/2014/main" id="{EC1ED72A-E699-4FFE-8337-DACD41FDF738}"/>
+                <a16:creationId xmlns:a16="http://schemas.microsoft.com/office/drawing/2014/main" id="{2CE55DB5-832D-4DF2-89C7-53A4D322A2D2}"/>
               </a:ext>
             </a:extLst>
           </p:cNvPr>
@@ -8380,7 +8491,7 @@
           <a:p>
             <a:r>
               <a:rPr lang="de-AT" dirty="0"/>
-              <a:t>Verbesserungsmöglichkeiten	</a:t>
+              <a:t>Aufgetretene Probleme</a:t>
             </a:r>
           </a:p>
         </p:txBody>
@@ -8390,7 +8501,7 @@
           <p:cNvPr id="3" name="Inhaltsplatzhalter 2">
             <a:extLst>
               <a:ext uri="{FF2B5EF4-FFF2-40B4-BE49-F238E27FC236}">
-                <a16:creationId xmlns:a16="http://schemas.microsoft.com/office/drawing/2014/main" id="{C5C41FB1-5231-4600-A2BD-DFDE4E05B901}"/>
+                <a16:creationId xmlns:a16="http://schemas.microsoft.com/office/drawing/2014/main" id="{DF3A60EA-A688-4159-895C-04101663D5DA}"/>
               </a:ext>
             </a:extLst>
           </p:cNvPr>
@@ -8403,34 +8514,32 @@
         </p:nvSpPr>
         <p:spPr/>
         <p:txBody>
-          <a:bodyPr>
-            <a:normAutofit/>
-          </a:bodyPr>
+          <a:bodyPr/>
           <a:lstStyle/>
           <a:p>
             <a:r>
               <a:rPr lang="de-AT" sz="2000" dirty="0"/>
-              <a:t>Optimierung der grafischen Oberfläche</a:t>
+              <a:t>Kompatibilität zwischen Datenbank und Raspberry-Betriebssystem</a:t>
             </a:r>
           </a:p>
           <a:p>
             <a:r>
               <a:rPr lang="de-AT" sz="2000" dirty="0"/>
-              <a:t>Anlegen von mehreren Benutzern</a:t>
-            </a:r>
-          </a:p>
-          <a:p>
-            <a:r>
-              <a:rPr lang="de-AT" sz="2000" dirty="0"/>
-              <a:t>Erstellen von Vorlagen mit festgelegten Zeiten</a:t>
-            </a:r>
+              <a:t>Erkennungsproblem der Pins mit pi4j</a:t>
+            </a:r>
+          </a:p>
+          <a:p>
+            <a:pPr marL="0" indent="0">
+              <a:buNone/>
+            </a:pPr>
+            <a:endParaRPr lang="de-AT" dirty="0"/>
           </a:p>
         </p:txBody>
       </p:sp>
     </p:spTree>
     <p:extLst>
       <p:ext uri="{BB962C8B-B14F-4D97-AF65-F5344CB8AC3E}">
-        <p14:creationId xmlns:p14="http://schemas.microsoft.com/office/powerpoint/2010/main" val="4161385376"/>
+        <p14:creationId xmlns:p14="http://schemas.microsoft.com/office/powerpoint/2010/main" val="3671490159"/>
       </p:ext>
     </p:extLst>
   </p:cSld>
@@ -8462,7 +8571,7 @@
           <p:cNvPr id="2" name="Titel 1">
             <a:extLst>
               <a:ext uri="{FF2B5EF4-FFF2-40B4-BE49-F238E27FC236}">
-                <a16:creationId xmlns:a16="http://schemas.microsoft.com/office/drawing/2014/main" id="{3010F2D5-0E1D-4F2A-A7AD-9A52040A7C41}"/>
+                <a16:creationId xmlns:a16="http://schemas.microsoft.com/office/drawing/2014/main" id="{EC1ED72A-E699-4FFE-8337-DACD41FDF738}"/>
               </a:ext>
             </a:extLst>
           </p:cNvPr>
@@ -8473,19 +8582,56 @@
             <p:ph type="title"/>
           </p:nvPr>
         </p:nvSpPr>
-        <p:spPr>
-          <a:xfrm>
-            <a:off x="3071097" y="2788555"/>
-            <a:ext cx="8911687" cy="1280890"/>
-          </a:xfrm>
-        </p:spPr>
+        <p:spPr/>
         <p:txBody>
           <a:bodyPr/>
           <a:lstStyle/>
           <a:p>
             <a:r>
               <a:rPr lang="de-AT" dirty="0"/>
-              <a:t>Danke für Ihre Aufmerksamkeit</a:t>
+              <a:t>Verbesserungsmöglichkeiten	</a:t>
+            </a:r>
+          </a:p>
+        </p:txBody>
+      </p:sp>
+      <p:sp>
+        <p:nvSpPr>
+          <p:cNvPr id="3" name="Inhaltsplatzhalter 2">
+            <a:extLst>
+              <a:ext uri="{FF2B5EF4-FFF2-40B4-BE49-F238E27FC236}">
+                <a16:creationId xmlns:a16="http://schemas.microsoft.com/office/drawing/2014/main" id="{C5C41FB1-5231-4600-A2BD-DFDE4E05B901}"/>
+              </a:ext>
+            </a:extLst>
+          </p:cNvPr>
+          <p:cNvSpPr>
+            <a:spLocks noGrp="1"/>
+          </p:cNvSpPr>
+          <p:nvPr>
+            <p:ph idx="1"/>
+          </p:nvPr>
+        </p:nvSpPr>
+        <p:spPr/>
+        <p:txBody>
+          <a:bodyPr>
+            <a:normAutofit/>
+          </a:bodyPr>
+          <a:lstStyle/>
+          <a:p>
+            <a:r>
+              <a:rPr lang="de-AT" sz="2000" dirty="0"/>
+              <a:t>Optimierung der grafischen Oberfläche</a:t>
+            </a:r>
+          </a:p>
+          <a:p>
+            <a:r>
+              <a:rPr lang="de-AT" sz="2000" dirty="0"/>
+              <a:t>Anlegen von mehreren Benutzern</a:t>
+            </a:r>
+          </a:p>
+          <a:p>
+            <a:r>
+              <a:rPr lang="de-AT" sz="2000" dirty="0"/>
+              <a:t>Erstellen von Vorlagen mit festgelegten Zeiten</a:t>
             </a:r>
           </a:p>
         </p:txBody>
@@ -8493,7 +8639,7 @@
     </p:spTree>
     <p:extLst>
       <p:ext uri="{BB962C8B-B14F-4D97-AF65-F5344CB8AC3E}">
-        <p14:creationId xmlns:p14="http://schemas.microsoft.com/office/powerpoint/2010/main" val="526663998"/>
+        <p14:creationId xmlns:p14="http://schemas.microsoft.com/office/powerpoint/2010/main" val="4161385376"/>
       </p:ext>
     </p:extLst>
   </p:cSld>
@@ -8525,7 +8671,7 @@
           <p:cNvPr id="2" name="Titel 1">
             <a:extLst>
               <a:ext uri="{FF2B5EF4-FFF2-40B4-BE49-F238E27FC236}">
-                <a16:creationId xmlns:a16="http://schemas.microsoft.com/office/drawing/2014/main" id="{977DB687-70FD-46E8-A044-B04C5EAF2783}"/>
+                <a16:creationId xmlns:a16="http://schemas.microsoft.com/office/drawing/2014/main" id="{3010F2D5-0E1D-4F2A-A7AD-9A52040A7C41}"/>
               </a:ext>
             </a:extLst>
           </p:cNvPr>
@@ -8538,28 +8684,25 @@
         </p:nvSpPr>
         <p:spPr>
           <a:xfrm>
-            <a:off x="4422352" y="2711643"/>
-            <a:ext cx="5900967" cy="1280890"/>
+            <a:off x="3071097" y="2788555"/>
+            <a:ext cx="8911687" cy="1280890"/>
           </a:xfrm>
         </p:spPr>
         <p:txBody>
-          <a:bodyPr>
-            <a:normAutofit fontScale="90000"/>
-          </a:bodyPr>
+          <a:bodyPr/>
           <a:lstStyle/>
           <a:p>
             <a:r>
-              <a:rPr lang="de-AT" sz="8000" b="1" dirty="0" err="1"/>
-              <a:t>Defensio</a:t>
-            </a:r>
-            <a:endParaRPr lang="de-AT" sz="8000" b="1" dirty="0"/>
+              <a:rPr lang="de-AT" dirty="0"/>
+              <a:t>Danke für Ihre Aufmerksamkeit</a:t>
+            </a:r>
           </a:p>
         </p:txBody>
       </p:sp>
     </p:spTree>
     <p:extLst>
       <p:ext uri="{BB962C8B-B14F-4D97-AF65-F5344CB8AC3E}">
-        <p14:creationId xmlns:p14="http://schemas.microsoft.com/office/powerpoint/2010/main" val="3181971150"/>
+        <p14:creationId xmlns:p14="http://schemas.microsoft.com/office/powerpoint/2010/main" val="526663998"/>
       </p:ext>
     </p:extLst>
   </p:cSld>

--- a/Diplomarbeit/Powerpoint/Harrer.pptx
+++ b/Diplomarbeit/Powerpoint/Harrer.pptx
@@ -310,7 +310,7 @@
             <a:fld id="{B61BEF0D-F0BB-DE4B-95CE-6DB70DBA9567}" type="datetimeFigureOut">
               <a:rPr lang="en-US" dirty="0"/>
               <a:pPr/>
-              <a:t>5/26/2018</a:t>
+              <a:t>5/27/2018</a:t>
             </a:fld>
             <a:endParaRPr lang="en-US" dirty="0"/>
           </a:p>
@@ -645,7 +645,7 @@
             <a:fld id="{B61BEF0D-F0BB-DE4B-95CE-6DB70DBA9567}" type="datetimeFigureOut">
               <a:rPr lang="en-US" dirty="0"/>
               <a:pPr/>
-              <a:t>5/26/2018</a:t>
+              <a:t>5/27/2018</a:t>
             </a:fld>
             <a:endParaRPr lang="en-US" dirty="0"/>
           </a:p>
@@ -1043,7 +1043,7 @@
             <a:fld id="{B61BEF0D-F0BB-DE4B-95CE-6DB70DBA9567}" type="datetimeFigureOut">
               <a:rPr lang="en-US" dirty="0"/>
               <a:pPr/>
-              <a:t>5/26/2018</a:t>
+              <a:t>5/27/2018</a:t>
             </a:fld>
             <a:endParaRPr lang="en-US" dirty="0"/>
           </a:p>
@@ -1376,7 +1376,7 @@
             <a:fld id="{B61BEF0D-F0BB-DE4B-95CE-6DB70DBA9567}" type="datetimeFigureOut">
               <a:rPr lang="en-US" dirty="0"/>
               <a:pPr/>
-              <a:t>5/26/2018</a:t>
+              <a:t>5/27/2018</a:t>
             </a:fld>
             <a:endParaRPr lang="en-US" dirty="0"/>
           </a:p>
@@ -1693,7 +1693,7 @@
             <a:fld id="{B61BEF0D-F0BB-DE4B-95CE-6DB70DBA9567}" type="datetimeFigureOut">
               <a:rPr lang="en-US" dirty="0"/>
               <a:pPr/>
-              <a:t>5/26/2018</a:t>
+              <a:t>5/27/2018</a:t>
             </a:fld>
             <a:endParaRPr lang="en-US" dirty="0"/>
           </a:p>
@@ -2086,7 +2086,7 @@
             <a:fld id="{B61BEF0D-F0BB-DE4B-95CE-6DB70DBA9567}" type="datetimeFigureOut">
               <a:rPr lang="en-US" dirty="0"/>
               <a:pPr/>
-              <a:t>5/26/2018</a:t>
+              <a:t>5/27/2018</a:t>
             </a:fld>
             <a:endParaRPr lang="en-US" dirty="0"/>
           </a:p>
@@ -2340,7 +2340,7 @@
             <a:fld id="{B61BEF0D-F0BB-DE4B-95CE-6DB70DBA9567}" type="datetimeFigureOut">
               <a:rPr lang="en-US" dirty="0"/>
               <a:pPr/>
-              <a:t>5/26/2018</a:t>
+              <a:t>5/27/2018</a:t>
             </a:fld>
             <a:endParaRPr lang="en-US" dirty="0"/>
           </a:p>
@@ -2599,7 +2599,7 @@
             <a:fld id="{B61BEF0D-F0BB-DE4B-95CE-6DB70DBA9567}" type="datetimeFigureOut">
               <a:rPr lang="en-US" dirty="0"/>
               <a:pPr/>
-              <a:t>5/26/2018</a:t>
+              <a:t>5/27/2018</a:t>
             </a:fld>
             <a:endParaRPr lang="en-US" dirty="0"/>
           </a:p>
@@ -2858,7 +2858,7 @@
             <a:fld id="{B61BEF0D-F0BB-DE4B-95CE-6DB70DBA9567}" type="datetimeFigureOut">
               <a:rPr lang="en-US" dirty="0"/>
               <a:pPr/>
-              <a:t>5/26/2018</a:t>
+              <a:t>5/27/2018</a:t>
             </a:fld>
             <a:endParaRPr lang="en-US" dirty="0"/>
           </a:p>
@@ -3184,7 +3184,7 @@
             <a:fld id="{B61BEF0D-F0BB-DE4B-95CE-6DB70DBA9567}" type="datetimeFigureOut">
               <a:rPr lang="en-US" dirty="0"/>
               <a:pPr/>
-              <a:t>5/26/2018</a:t>
+              <a:t>5/27/2018</a:t>
             </a:fld>
             <a:endParaRPr lang="en-US" dirty="0"/>
           </a:p>
@@ -3504,7 +3504,7 @@
             <a:fld id="{B61BEF0D-F0BB-DE4B-95CE-6DB70DBA9567}" type="datetimeFigureOut">
               <a:rPr lang="en-US" dirty="0"/>
               <a:pPr/>
-              <a:t>5/26/2018</a:t>
+              <a:t>5/27/2018</a:t>
             </a:fld>
             <a:endParaRPr lang="en-US" dirty="0"/>
           </a:p>
@@ -3958,7 +3958,7 @@
             <a:fld id="{B61BEF0D-F0BB-DE4B-95CE-6DB70DBA9567}" type="datetimeFigureOut">
               <a:rPr lang="en-US" dirty="0"/>
               <a:pPr/>
-              <a:t>5/26/2018</a:t>
+              <a:t>5/27/2018</a:t>
             </a:fld>
             <a:endParaRPr lang="en-US" dirty="0"/>
           </a:p>
@@ -4160,7 +4160,7 @@
             <a:fld id="{B61BEF0D-F0BB-DE4B-95CE-6DB70DBA9567}" type="datetimeFigureOut">
               <a:rPr lang="en-US" dirty="0"/>
               <a:pPr/>
-              <a:t>5/26/2018</a:t>
+              <a:t>5/27/2018</a:t>
             </a:fld>
             <a:endParaRPr lang="en-US" dirty="0"/>
           </a:p>
@@ -4334,7 +4334,7 @@
             <a:fld id="{B61BEF0D-F0BB-DE4B-95CE-6DB70DBA9567}" type="datetimeFigureOut">
               <a:rPr lang="en-US" dirty="0"/>
               <a:pPr/>
-              <a:t>5/26/2018</a:t>
+              <a:t>5/27/2018</a:t>
             </a:fld>
             <a:endParaRPr lang="en-US" dirty="0"/>
           </a:p>
@@ -4664,7 +4664,7 @@
             <a:fld id="{B61BEF0D-F0BB-DE4B-95CE-6DB70DBA9567}" type="datetimeFigureOut">
               <a:rPr lang="en-US" dirty="0"/>
               <a:pPr/>
-              <a:t>5/26/2018</a:t>
+              <a:t>5/27/2018</a:t>
             </a:fld>
             <a:endParaRPr lang="en-US" dirty="0"/>
           </a:p>
@@ -5006,7 +5006,7 @@
             <a:fld id="{B61BEF0D-F0BB-DE4B-95CE-6DB70DBA9567}" type="datetimeFigureOut">
               <a:rPr lang="en-US" dirty="0"/>
               <a:pPr/>
-              <a:t>5/26/2018</a:t>
+              <a:t>5/27/2018</a:t>
             </a:fld>
             <a:endParaRPr lang="en-US" dirty="0"/>
           </a:p>
@@ -7120,7 +7120,7 @@
             <a:fld id="{B61BEF0D-F0BB-DE4B-95CE-6DB70DBA9567}" type="datetimeFigureOut">
               <a:rPr lang="en-US" dirty="0"/>
               <a:pPr/>
-              <a:t>5/26/2018</a:t>
+              <a:t>5/27/2018</a:t>
             </a:fld>
             <a:endParaRPr lang="en-US" dirty="0"/>
           </a:p>
@@ -7857,16 +7857,6 @@
             </a:pPr>
             <a:r>
               <a:rPr lang="de-AT" sz="1800" dirty="0"/>
-              <a:t>Grundidee</a:t>
-            </a:r>
-          </a:p>
-          <a:p>
-            <a:pPr lvl="1">
-              <a:buFont typeface="Arial" panose="020B0604020202020204" pitchFamily="34" charset="0"/>
-              <a:buChar char="•"/>
-            </a:pPr>
-            <a:r>
-              <a:rPr lang="de-AT" sz="1800" dirty="0"/>
               <a:t>Ziele</a:t>
             </a:r>
           </a:p>
